--- a/material/주제 단면도 `230914.pptx
+++ b/material/주제 단면도 `230914.pptx
@@ -5,11 +5,12 @@
     <p:sldMasterId id="2147483648" r:id="rId1"/>
   </p:sldMasterIdLst>
   <p:notesMasterIdLst>
-    <p:notesMasterId r:id="rId4"/>
+    <p:notesMasterId r:id="rId5"/>
   </p:notesMasterIdLst>
   <p:sldIdLst>
     <p:sldId id="256" r:id="rId2"/>
     <p:sldId id="258" r:id="rId3"/>
+    <p:sldId id="259" r:id="rId4"/>
   </p:sldIdLst>
   <p:sldSz cx="12192000" cy="6858000"/>
   <p:notesSz cx="6858000" cy="9144000"/>
@@ -198,7 +199,7 @@
           <a:p>
             <a:fld id="{D378E8BF-40BD-4DE2-A095-F5A67AB8FFE7}" type="datetimeFigureOut">
               <a:rPr lang="ko-KR" altLang="en-US" smtClean="0"/>
-              <a:t>2023-09-14</a:t>
+              <a:t>2023-11-10</a:t>
             </a:fld>
             <a:endParaRPr lang="ko-KR" altLang="en-US"/>
           </a:p>
@@ -637,6 +638,94 @@
 </p:notes>
 </file>
 
+<file path=ppt/notesSlides/notesSlide3.xml><?xml version="1.0" encoding="utf-8"?>
+<p:notes xmlns:a="http://schemas.openxmlformats.org/drawingml/2006/main" xmlns:r="http://schemas.openxmlformats.org/officeDocument/2006/relationships" xmlns:p="http://schemas.openxmlformats.org/presentationml/2006/main">
+  <p:cSld>
+    <p:spTree>
+      <p:nvGrpSpPr>
+        <p:cNvPr id="1" name=""/>
+        <p:cNvGrpSpPr/>
+        <p:nvPr/>
+      </p:nvGrpSpPr>
+      <p:grpSpPr>
+        <a:xfrm>
+          <a:off x="0" y="0"/>
+          <a:ext cx="0" cy="0"/>
+          <a:chOff x="0" y="0"/>
+          <a:chExt cx="0" cy="0"/>
+        </a:xfrm>
+      </p:grpSpPr>
+      <p:sp>
+        <p:nvSpPr>
+          <p:cNvPr id="2" name="슬라이드 이미지 개체 틀 1"/>
+          <p:cNvSpPr>
+            <a:spLocks noGrp="1" noRot="1" noChangeAspect="1"/>
+          </p:cNvSpPr>
+          <p:nvPr>
+            <p:ph type="sldImg"/>
+          </p:nvPr>
+        </p:nvSpPr>
+        <p:spPr/>
+      </p:sp>
+      <p:sp>
+        <p:nvSpPr>
+          <p:cNvPr id="3" name="슬라이드 노트 개체 틀 2"/>
+          <p:cNvSpPr>
+            <a:spLocks noGrp="1"/>
+          </p:cNvSpPr>
+          <p:nvPr>
+            <p:ph type="body" idx="1"/>
+          </p:nvPr>
+        </p:nvSpPr>
+        <p:spPr/>
+        <p:txBody>
+          <a:bodyPr/>
+          <a:lstStyle/>
+          <a:p>
+            <a:r>
+              <a:rPr lang="en-US" altLang="ko-KR"/>
+              <a:t>{img}</a:t>
+            </a:r>
+            <a:endParaRPr lang="ko-KR" altLang="en-US"/>
+          </a:p>
+        </p:txBody>
+      </p:sp>
+      <p:sp>
+        <p:nvSpPr>
+          <p:cNvPr id="4" name="슬라이드 번호 개체 틀 3"/>
+          <p:cNvSpPr>
+            <a:spLocks noGrp="1"/>
+          </p:cNvSpPr>
+          <p:nvPr>
+            <p:ph type="sldNum" sz="quarter" idx="5"/>
+          </p:nvPr>
+        </p:nvSpPr>
+        <p:spPr/>
+        <p:txBody>
+          <a:bodyPr/>
+          <a:lstStyle/>
+          <a:p>
+            <a:fld id="{8593613D-2A62-417F-B7B8-858B15E9114F}" type="slidenum">
+              <a:rPr lang="ko-KR" altLang="en-US" smtClean="0"/>
+              <a:t>3</a:t>
+            </a:fld>
+            <a:endParaRPr lang="ko-KR" altLang="en-US"/>
+          </a:p>
+        </p:txBody>
+      </p:sp>
+    </p:spTree>
+    <p:extLst>
+      <p:ext uri="{BB962C8B-B14F-4D97-AF65-F5344CB8AC3E}">
+        <p14:creationId xmlns:p14="http://schemas.microsoft.com/office/powerpoint/2010/main" val="433648154"/>
+      </p:ext>
+    </p:extLst>
+  </p:cSld>
+  <p:clrMapOvr>
+    <a:masterClrMapping/>
+  </p:clrMapOvr>
+</p:notes>
+</file>
+
 <file path=ppt/slideLayouts/slideLayout1.xml><?xml version="1.0" encoding="utf-8"?>
 <p:sldLayout xmlns:a="http://schemas.openxmlformats.org/drawingml/2006/main" xmlns:r="http://schemas.openxmlformats.org/officeDocument/2006/relationships" xmlns:p="http://schemas.openxmlformats.org/presentationml/2006/main" type="title" preserve="1">
   <p:cSld name="제목 슬라이드">
@@ -784,7 +873,7 @@
           <a:p>
             <a:fld id="{27B6DB2D-04CA-4378-BFA0-C4AA2295483E}" type="datetimeFigureOut">
               <a:rPr lang="ko-KR" altLang="en-US" smtClean="0"/>
-              <a:t>2023-09-14</a:t>
+              <a:t>2023-11-10</a:t>
             </a:fld>
             <a:endParaRPr lang="ko-KR" altLang="en-US"/>
           </a:p>
@@ -982,7 +1071,7 @@
           <a:p>
             <a:fld id="{27B6DB2D-04CA-4378-BFA0-C4AA2295483E}" type="datetimeFigureOut">
               <a:rPr lang="ko-KR" altLang="en-US" smtClean="0"/>
-              <a:t>2023-09-14</a:t>
+              <a:t>2023-11-10</a:t>
             </a:fld>
             <a:endParaRPr lang="ko-KR" altLang="en-US"/>
           </a:p>
@@ -1190,7 +1279,7 @@
           <a:p>
             <a:fld id="{27B6DB2D-04CA-4378-BFA0-C4AA2295483E}" type="datetimeFigureOut">
               <a:rPr lang="ko-KR" altLang="en-US" smtClean="0"/>
-              <a:t>2023-09-14</a:t>
+              <a:t>2023-11-10</a:t>
             </a:fld>
             <a:endParaRPr lang="ko-KR" altLang="en-US"/>
           </a:p>
@@ -1388,7 +1477,7 @@
           <a:p>
             <a:fld id="{27B6DB2D-04CA-4378-BFA0-C4AA2295483E}" type="datetimeFigureOut">
               <a:rPr lang="ko-KR" altLang="en-US" smtClean="0"/>
-              <a:t>2023-09-14</a:t>
+              <a:t>2023-11-10</a:t>
             </a:fld>
             <a:endParaRPr lang="ko-KR" altLang="en-US"/>
           </a:p>
@@ -1663,7 +1752,7 @@
           <a:p>
             <a:fld id="{27B6DB2D-04CA-4378-BFA0-C4AA2295483E}" type="datetimeFigureOut">
               <a:rPr lang="ko-KR" altLang="en-US" smtClean="0"/>
-              <a:t>2023-09-14</a:t>
+              <a:t>2023-11-10</a:t>
             </a:fld>
             <a:endParaRPr lang="ko-KR" altLang="en-US"/>
           </a:p>
@@ -1928,7 +2017,7 @@
           <a:p>
             <a:fld id="{27B6DB2D-04CA-4378-BFA0-C4AA2295483E}" type="datetimeFigureOut">
               <a:rPr lang="ko-KR" altLang="en-US" smtClean="0"/>
-              <a:t>2023-09-14</a:t>
+              <a:t>2023-11-10</a:t>
             </a:fld>
             <a:endParaRPr lang="ko-KR" altLang="en-US"/>
           </a:p>
@@ -2340,7 +2429,7 @@
           <a:p>
             <a:fld id="{27B6DB2D-04CA-4378-BFA0-C4AA2295483E}" type="datetimeFigureOut">
               <a:rPr lang="ko-KR" altLang="en-US" smtClean="0"/>
-              <a:t>2023-09-14</a:t>
+              <a:t>2023-11-10</a:t>
             </a:fld>
             <a:endParaRPr lang="ko-KR" altLang="en-US"/>
           </a:p>
@@ -2481,7 +2570,7 @@
           <a:p>
             <a:fld id="{27B6DB2D-04CA-4378-BFA0-C4AA2295483E}" type="datetimeFigureOut">
               <a:rPr lang="ko-KR" altLang="en-US" smtClean="0"/>
-              <a:t>2023-09-14</a:t>
+              <a:t>2023-11-10</a:t>
             </a:fld>
             <a:endParaRPr lang="ko-KR" altLang="en-US"/>
           </a:p>
@@ -2594,7 +2683,7 @@
           <a:p>
             <a:fld id="{27B6DB2D-04CA-4378-BFA0-C4AA2295483E}" type="datetimeFigureOut">
               <a:rPr lang="ko-KR" altLang="en-US" smtClean="0"/>
-              <a:t>2023-09-14</a:t>
+              <a:t>2023-11-10</a:t>
             </a:fld>
             <a:endParaRPr lang="ko-KR" altLang="en-US"/>
           </a:p>
@@ -2905,7 +2994,7 @@
           <a:p>
             <a:fld id="{27B6DB2D-04CA-4378-BFA0-C4AA2295483E}" type="datetimeFigureOut">
               <a:rPr lang="ko-KR" altLang="en-US" smtClean="0"/>
-              <a:t>2023-09-14</a:t>
+              <a:t>2023-11-10</a:t>
             </a:fld>
             <a:endParaRPr lang="ko-KR" altLang="en-US"/>
           </a:p>
@@ -3193,7 +3282,7 @@
           <a:p>
             <a:fld id="{27B6DB2D-04CA-4378-BFA0-C4AA2295483E}" type="datetimeFigureOut">
               <a:rPr lang="ko-KR" altLang="en-US" smtClean="0"/>
-              <a:t>2023-09-14</a:t>
+              <a:t>2023-11-10</a:t>
             </a:fld>
             <a:endParaRPr lang="ko-KR" altLang="en-US"/>
           </a:p>
@@ -3434,7 +3523,7 @@
           <a:p>
             <a:fld id="{27B6DB2D-04CA-4378-BFA0-C4AA2295483E}" type="datetimeFigureOut">
               <a:rPr lang="ko-KR" altLang="en-US" smtClean="0"/>
-              <a:t>2023-09-14</a:t>
+              <a:t>2023-11-10</a:t>
             </a:fld>
             <a:endParaRPr lang="ko-KR" altLang="en-US"/>
           </a:p>
@@ -6361,6 +6450,1793 @@
     <p:extLst>
       <p:ext uri="{BB962C8B-B14F-4D97-AF65-F5344CB8AC3E}">
         <p14:creationId xmlns:p14="http://schemas.microsoft.com/office/powerpoint/2010/main" val="3164789309"/>
+      </p:ext>
+    </p:extLst>
+  </p:cSld>
+  <p:clrMapOvr>
+    <a:masterClrMapping/>
+  </p:clrMapOvr>
+</p:sld>
+</file>
+
+<file path=ppt/slides/slide3.xml><?xml version="1.0" encoding="utf-8"?>
+<p:sld xmlns:a="http://schemas.openxmlformats.org/drawingml/2006/main" xmlns:r="http://schemas.openxmlformats.org/officeDocument/2006/relationships" xmlns:p="http://schemas.openxmlformats.org/presentationml/2006/main">
+  <p:cSld>
+    <p:spTree>
+      <p:nvGrpSpPr>
+        <p:cNvPr id="1" name=""/>
+        <p:cNvGrpSpPr/>
+        <p:nvPr/>
+      </p:nvGrpSpPr>
+      <p:grpSpPr>
+        <a:xfrm>
+          <a:off x="0" y="0"/>
+          <a:ext cx="0" cy="0"/>
+          <a:chOff x="0" y="0"/>
+          <a:chExt cx="0" cy="0"/>
+        </a:xfrm>
+      </p:grpSpPr>
+      <p:sp>
+        <p:nvSpPr>
+          <p:cNvPr id="8" name="사각형: 둥근 모서리 7">
+            <a:extLst>
+              <a:ext uri="{FF2B5EF4-FFF2-40B4-BE49-F238E27FC236}">
+                <a16:creationId xmlns:a16="http://schemas.microsoft.com/office/drawing/2014/main" id="{F49BBC86-988D-BCDA-6A39-B6CC62AAEAC8}"/>
+              </a:ext>
+            </a:extLst>
+          </p:cNvPr>
+          <p:cNvSpPr/>
+          <p:nvPr/>
+        </p:nvSpPr>
+        <p:spPr>
+          <a:xfrm>
+            <a:off x="3715496" y="440298"/>
+            <a:ext cx="2619778" cy="3721372"/>
+          </a:xfrm>
+          <a:prstGeom prst="roundRect">
+            <a:avLst/>
+          </a:prstGeom>
+          <a:solidFill>
+            <a:schemeClr val="tx1">
+              <a:lumMod val="50000"/>
+              <a:lumOff val="50000"/>
+              <a:alpha val="25000"/>
+            </a:schemeClr>
+          </a:solidFill>
+          <a:ln w="38100">
+            <a:solidFill>
+              <a:schemeClr val="tx1">
+                <a:alpha val="67000"/>
+              </a:schemeClr>
+            </a:solidFill>
+          </a:ln>
+        </p:spPr>
+        <p:style>
+          <a:lnRef idx="2">
+            <a:schemeClr val="accent1">
+              <a:shade val="15000"/>
+            </a:schemeClr>
+          </a:lnRef>
+          <a:fillRef idx="1">
+            <a:schemeClr val="accent1"/>
+          </a:fillRef>
+          <a:effectRef idx="0">
+            <a:schemeClr val="accent1"/>
+          </a:effectRef>
+          <a:fontRef idx="minor">
+            <a:schemeClr val="lt1"/>
+          </a:fontRef>
+        </p:style>
+        <p:txBody>
+          <a:bodyPr rtlCol="0" anchor="t"/>
+          <a:lstStyle/>
+          <a:p>
+            <a:r>
+              <a:rPr lang="en-US" altLang="ko-KR" sz="2000" b="1" spc="-150">
+                <a:solidFill>
+                  <a:schemeClr val="tx1">
+                    <a:lumMod val="65000"/>
+                    <a:lumOff val="35000"/>
+                  </a:schemeClr>
+                </a:solidFill>
+              </a:rPr>
+              <a:t>[API] – Google Cloud</a:t>
+            </a:r>
+            <a:endParaRPr lang="ko-KR" altLang="en-US" sz="2000" b="1" spc="-150">
+              <a:solidFill>
+                <a:schemeClr val="tx1">
+                  <a:lumMod val="65000"/>
+                  <a:lumOff val="35000"/>
+                </a:schemeClr>
+              </a:solidFill>
+            </a:endParaRPr>
+          </a:p>
+        </p:txBody>
+      </p:sp>
+      <p:sp>
+        <p:nvSpPr>
+          <p:cNvPr id="5" name="사각형: 둥근 모서리 4">
+            <a:extLst>
+              <a:ext uri="{FF2B5EF4-FFF2-40B4-BE49-F238E27FC236}">
+                <a16:creationId xmlns:a16="http://schemas.microsoft.com/office/drawing/2014/main" id="{6E8CB718-23FB-8B50-57FC-8E1E4EEA1FB5}"/>
+              </a:ext>
+            </a:extLst>
+          </p:cNvPr>
+          <p:cNvSpPr/>
+          <p:nvPr/>
+        </p:nvSpPr>
+        <p:spPr>
+          <a:xfrm>
+            <a:off x="861934" y="440299"/>
+            <a:ext cx="2586018" cy="5816600"/>
+          </a:xfrm>
+          <a:prstGeom prst="roundRect">
+            <a:avLst/>
+          </a:prstGeom>
+          <a:solidFill>
+            <a:schemeClr val="accent5">
+              <a:lumMod val="60000"/>
+              <a:lumOff val="40000"/>
+              <a:alpha val="25000"/>
+            </a:schemeClr>
+          </a:solidFill>
+          <a:ln w="38100">
+            <a:solidFill>
+              <a:schemeClr val="accent1">
+                <a:shade val="15000"/>
+                <a:alpha val="67000"/>
+              </a:schemeClr>
+            </a:solidFill>
+          </a:ln>
+        </p:spPr>
+        <p:style>
+          <a:lnRef idx="2">
+            <a:schemeClr val="accent1">
+              <a:shade val="15000"/>
+            </a:schemeClr>
+          </a:lnRef>
+          <a:fillRef idx="1">
+            <a:schemeClr val="accent1"/>
+          </a:fillRef>
+          <a:effectRef idx="0">
+            <a:schemeClr val="accent1"/>
+          </a:effectRef>
+          <a:fontRef idx="minor">
+            <a:schemeClr val="lt1"/>
+          </a:fontRef>
+        </p:style>
+        <p:txBody>
+          <a:bodyPr rtlCol="0" anchor="t"/>
+          <a:lstStyle/>
+          <a:p>
+            <a:r>
+              <a:rPr lang="en-US" altLang="ko-KR" sz="2000" b="1" spc="-150">
+                <a:solidFill>
+                  <a:schemeClr val="tx1">
+                    <a:lumMod val="65000"/>
+                    <a:lumOff val="35000"/>
+                  </a:schemeClr>
+                </a:solidFill>
+              </a:rPr>
+              <a:t>[</a:t>
+            </a:r>
+            <a:r>
+              <a:rPr lang="en-US" altLang="ko-KR" sz="2000" b="1">
+                <a:solidFill>
+                  <a:schemeClr val="tx1">
+                    <a:lumMod val="65000"/>
+                    <a:lumOff val="35000"/>
+                  </a:schemeClr>
+                </a:solidFill>
+              </a:rPr>
+              <a:t>FrontEnd</a:t>
+            </a:r>
+            <a:r>
+              <a:rPr lang="en-US" altLang="ko-KR" sz="2000" b="1" spc="-150">
+                <a:solidFill>
+                  <a:schemeClr val="tx1">
+                    <a:lumMod val="65000"/>
+                    <a:lumOff val="35000"/>
+                  </a:schemeClr>
+                </a:solidFill>
+              </a:rPr>
+              <a:t>] - Svelte</a:t>
+            </a:r>
+            <a:endParaRPr lang="ko-KR" altLang="en-US" sz="2000" b="1" spc="-150">
+              <a:solidFill>
+                <a:schemeClr val="tx1">
+                  <a:lumMod val="65000"/>
+                  <a:lumOff val="35000"/>
+                </a:schemeClr>
+              </a:solidFill>
+            </a:endParaRPr>
+          </a:p>
+        </p:txBody>
+      </p:sp>
+      <p:sp>
+        <p:nvSpPr>
+          <p:cNvPr id="13" name="사각형: 둥근 모서리 12">
+            <a:extLst>
+              <a:ext uri="{FF2B5EF4-FFF2-40B4-BE49-F238E27FC236}">
+                <a16:creationId xmlns:a16="http://schemas.microsoft.com/office/drawing/2014/main" id="{85D5DCAF-062A-0EB0-9B45-5A7C51853371}"/>
+              </a:ext>
+            </a:extLst>
+          </p:cNvPr>
+          <p:cNvSpPr/>
+          <p:nvPr/>
+        </p:nvSpPr>
+        <p:spPr>
+          <a:xfrm>
+            <a:off x="6583941" y="440299"/>
+            <a:ext cx="2619778" cy="5816600"/>
+          </a:xfrm>
+          <a:prstGeom prst="roundRect">
+            <a:avLst/>
+          </a:prstGeom>
+          <a:solidFill>
+            <a:schemeClr val="accent4">
+              <a:lumMod val="20000"/>
+              <a:lumOff val="80000"/>
+              <a:alpha val="25000"/>
+            </a:schemeClr>
+          </a:solidFill>
+          <a:ln w="38100">
+            <a:solidFill>
+              <a:schemeClr val="accent2">
+                <a:lumMod val="75000"/>
+                <a:alpha val="67000"/>
+              </a:schemeClr>
+            </a:solidFill>
+          </a:ln>
+        </p:spPr>
+        <p:style>
+          <a:lnRef idx="2">
+            <a:schemeClr val="accent1">
+              <a:shade val="15000"/>
+            </a:schemeClr>
+          </a:lnRef>
+          <a:fillRef idx="1">
+            <a:schemeClr val="accent1"/>
+          </a:fillRef>
+          <a:effectRef idx="0">
+            <a:schemeClr val="accent1"/>
+          </a:effectRef>
+          <a:fontRef idx="minor">
+            <a:schemeClr val="lt1"/>
+          </a:fontRef>
+        </p:style>
+        <p:txBody>
+          <a:bodyPr rtlCol="0" anchor="t"/>
+          <a:lstStyle/>
+          <a:p>
+            <a:r>
+              <a:rPr lang="en-US" altLang="ko-KR" sz="2000" b="1" spc="-150">
+                <a:solidFill>
+                  <a:schemeClr val="tx1">
+                    <a:lumMod val="65000"/>
+                    <a:lumOff val="35000"/>
+                  </a:schemeClr>
+                </a:solidFill>
+              </a:rPr>
+              <a:t>[ML/DL] – AI Model</a:t>
+            </a:r>
+            <a:endParaRPr lang="ko-KR" altLang="en-US" sz="2000" b="1" spc="-150">
+              <a:solidFill>
+                <a:schemeClr val="tx1">
+                  <a:lumMod val="65000"/>
+                  <a:lumOff val="35000"/>
+                </a:schemeClr>
+              </a:solidFill>
+            </a:endParaRPr>
+          </a:p>
+        </p:txBody>
+      </p:sp>
+      <p:sp>
+        <p:nvSpPr>
+          <p:cNvPr id="4" name="사각형: 둥근 모서리 3">
+            <a:extLst>
+              <a:ext uri="{FF2B5EF4-FFF2-40B4-BE49-F238E27FC236}">
+                <a16:creationId xmlns:a16="http://schemas.microsoft.com/office/drawing/2014/main" id="{1CC77256-0D08-02E8-D239-D7DDDFC81FD2}"/>
+              </a:ext>
+            </a:extLst>
+          </p:cNvPr>
+          <p:cNvSpPr/>
+          <p:nvPr/>
+        </p:nvSpPr>
+        <p:spPr>
+          <a:xfrm>
+            <a:off x="988291" y="2330515"/>
+            <a:ext cx="2318327" cy="2222866"/>
+          </a:xfrm>
+          <a:prstGeom prst="roundRect">
+            <a:avLst/>
+          </a:prstGeom>
+          <a:solidFill>
+            <a:schemeClr val="accent1">
+              <a:alpha val="25000"/>
+            </a:schemeClr>
+          </a:solidFill>
+          <a:ln w="38100">
+            <a:solidFill>
+              <a:schemeClr val="accent1">
+                <a:shade val="15000"/>
+                <a:alpha val="67000"/>
+              </a:schemeClr>
+            </a:solidFill>
+          </a:ln>
+        </p:spPr>
+        <p:style>
+          <a:lnRef idx="2">
+            <a:schemeClr val="accent1">
+              <a:shade val="15000"/>
+            </a:schemeClr>
+          </a:lnRef>
+          <a:fillRef idx="1">
+            <a:schemeClr val="accent1"/>
+          </a:fillRef>
+          <a:effectRef idx="0">
+            <a:schemeClr val="accent1"/>
+          </a:effectRef>
+          <a:fontRef idx="minor">
+            <a:schemeClr val="lt1"/>
+          </a:fontRef>
+        </p:style>
+        <p:txBody>
+          <a:bodyPr rtlCol="0" anchor="t"/>
+          <a:lstStyle/>
+          <a:p>
+            <a:r>
+              <a:rPr lang="en-US" altLang="ko-KR">
+                <a:solidFill>
+                  <a:schemeClr val="tx1"/>
+                </a:solidFill>
+              </a:rPr>
+              <a:t>Event</a:t>
+            </a:r>
+            <a:endParaRPr lang="ko-KR" altLang="en-US">
+              <a:solidFill>
+                <a:schemeClr val="tx1"/>
+              </a:solidFill>
+            </a:endParaRPr>
+          </a:p>
+        </p:txBody>
+      </p:sp>
+      <p:sp>
+        <p:nvSpPr>
+          <p:cNvPr id="7" name="TextBox 6">
+            <a:extLst>
+              <a:ext uri="{FF2B5EF4-FFF2-40B4-BE49-F238E27FC236}">
+                <a16:creationId xmlns:a16="http://schemas.microsoft.com/office/drawing/2014/main" id="{984C738E-9737-7603-6655-A055BFC4FAAC}"/>
+              </a:ext>
+            </a:extLst>
+          </p:cNvPr>
+          <p:cNvSpPr txBox="1"/>
+          <p:nvPr/>
+        </p:nvSpPr>
+        <p:spPr>
+          <a:xfrm>
+            <a:off x="1009332" y="835267"/>
+            <a:ext cx="2318327" cy="646331"/>
+          </a:xfrm>
+          <a:prstGeom prst="rect">
+            <a:avLst/>
+          </a:prstGeom>
+          <a:noFill/>
+        </p:spPr>
+        <p:txBody>
+          <a:bodyPr wrap="square">
+            <a:spAutoFit/>
+          </a:bodyPr>
+          <a:lstStyle/>
+          <a:p>
+            <a:r>
+              <a:rPr lang="en-US" altLang="ko-KR"/>
+              <a:t>routes</a:t>
+            </a:r>
+          </a:p>
+          <a:p>
+            <a:r>
+              <a:rPr lang="ko-KR" altLang="en-US">
+                <a:solidFill>
+                  <a:srgbClr val="FF0000"/>
+                </a:solidFill>
+              </a:rPr>
+              <a:t>└ </a:t>
+            </a:r>
+            <a:r>
+              <a:rPr lang="en-US" altLang="ko-KR">
+                <a:solidFill>
+                  <a:srgbClr val="FF0000"/>
+                </a:solidFill>
+              </a:rPr>
+              <a:t>run </a:t>
+            </a:r>
+            <a:r>
+              <a:rPr lang="ko-KR" altLang="en-US">
+                <a:solidFill>
+                  <a:srgbClr val="FF0000"/>
+                </a:solidFill>
+              </a:rPr>
+              <a:t>─ </a:t>
+            </a:r>
+            <a:r>
+              <a:rPr lang="en-US" altLang="ko-KR">
+                <a:solidFill>
+                  <a:srgbClr val="FF0000"/>
+                </a:solidFill>
+              </a:rPr>
+              <a:t>+pages</a:t>
+            </a:r>
+            <a:endParaRPr lang="ko-KR" altLang="en-US">
+              <a:solidFill>
+                <a:srgbClr val="FF0000"/>
+              </a:solidFill>
+            </a:endParaRPr>
+          </a:p>
+        </p:txBody>
+      </p:sp>
+      <p:sp>
+        <p:nvSpPr>
+          <p:cNvPr id="12" name="사각형: 둥근 모서리 11">
+            <a:extLst>
+              <a:ext uri="{FF2B5EF4-FFF2-40B4-BE49-F238E27FC236}">
+                <a16:creationId xmlns:a16="http://schemas.microsoft.com/office/drawing/2014/main" id="{0103FE93-CC6B-8856-8F6C-E4847489BB42}"/>
+              </a:ext>
+            </a:extLst>
+          </p:cNvPr>
+          <p:cNvSpPr/>
+          <p:nvPr/>
+        </p:nvSpPr>
+        <p:spPr>
+          <a:xfrm>
+            <a:off x="6946228" y="1095481"/>
+            <a:ext cx="1962488" cy="532632"/>
+          </a:xfrm>
+          <a:prstGeom prst="roundRect">
+            <a:avLst/>
+          </a:prstGeom>
+          <a:solidFill>
+            <a:schemeClr val="accent4">
+              <a:lumMod val="60000"/>
+              <a:lumOff val="40000"/>
+              <a:alpha val="25000"/>
+            </a:schemeClr>
+          </a:solidFill>
+          <a:ln w="38100">
+            <a:solidFill>
+              <a:schemeClr val="accent2">
+                <a:lumMod val="75000"/>
+                <a:alpha val="67000"/>
+              </a:schemeClr>
+            </a:solidFill>
+          </a:ln>
+        </p:spPr>
+        <p:style>
+          <a:lnRef idx="2">
+            <a:schemeClr val="accent1">
+              <a:shade val="15000"/>
+            </a:schemeClr>
+          </a:lnRef>
+          <a:fillRef idx="1">
+            <a:schemeClr val="accent1"/>
+          </a:fillRef>
+          <a:effectRef idx="0">
+            <a:schemeClr val="accent1"/>
+          </a:effectRef>
+          <a:fontRef idx="minor">
+            <a:schemeClr val="lt1"/>
+          </a:fontRef>
+        </p:style>
+        <p:txBody>
+          <a:bodyPr rtlCol="0" anchor="ctr"/>
+          <a:lstStyle/>
+          <a:p>
+            <a:pPr algn="ctr"/>
+            <a:r>
+              <a:rPr lang="en-US" altLang="ko-KR" sz="2000" spc="-150">
+                <a:solidFill>
+                  <a:schemeClr val="tx1"/>
+                </a:solidFill>
+              </a:rPr>
+              <a:t>Data Extraction</a:t>
+            </a:r>
+            <a:endParaRPr lang="ko-KR" altLang="en-US" sz="2000" spc="-150">
+              <a:solidFill>
+                <a:schemeClr val="tx1"/>
+              </a:solidFill>
+            </a:endParaRPr>
+          </a:p>
+        </p:txBody>
+      </p:sp>
+      <p:sp>
+        <p:nvSpPr>
+          <p:cNvPr id="15" name="사각형: 둥근 모서리 14">
+            <a:extLst>
+              <a:ext uri="{FF2B5EF4-FFF2-40B4-BE49-F238E27FC236}">
+                <a16:creationId xmlns:a16="http://schemas.microsoft.com/office/drawing/2014/main" id="{924D2226-2847-71B7-2470-638566483974}"/>
+              </a:ext>
+            </a:extLst>
+          </p:cNvPr>
+          <p:cNvSpPr/>
+          <p:nvPr/>
+        </p:nvSpPr>
+        <p:spPr>
+          <a:xfrm>
+            <a:off x="6946228" y="2500109"/>
+            <a:ext cx="1962488" cy="532632"/>
+          </a:xfrm>
+          <a:prstGeom prst="roundRect">
+            <a:avLst/>
+          </a:prstGeom>
+          <a:solidFill>
+            <a:schemeClr val="accent4">
+              <a:lumMod val="60000"/>
+              <a:lumOff val="40000"/>
+              <a:alpha val="25000"/>
+            </a:schemeClr>
+          </a:solidFill>
+          <a:ln w="38100">
+            <a:solidFill>
+              <a:schemeClr val="accent2">
+                <a:lumMod val="75000"/>
+                <a:alpha val="67000"/>
+              </a:schemeClr>
+            </a:solidFill>
+          </a:ln>
+        </p:spPr>
+        <p:style>
+          <a:lnRef idx="2">
+            <a:schemeClr val="accent1">
+              <a:shade val="15000"/>
+            </a:schemeClr>
+          </a:lnRef>
+          <a:fillRef idx="1">
+            <a:schemeClr val="accent1"/>
+          </a:fillRef>
+          <a:effectRef idx="0">
+            <a:schemeClr val="accent1"/>
+          </a:effectRef>
+          <a:fontRef idx="minor">
+            <a:schemeClr val="lt1"/>
+          </a:fontRef>
+        </p:style>
+        <p:txBody>
+          <a:bodyPr rtlCol="0" anchor="ctr"/>
+          <a:lstStyle/>
+          <a:p>
+            <a:pPr algn="ctr"/>
+            <a:r>
+              <a:rPr lang="en-US" altLang="ko-KR" spc="-150">
+                <a:solidFill>
+                  <a:schemeClr val="tx1"/>
+                </a:solidFill>
+              </a:rPr>
+              <a:t>Data Preprocessing</a:t>
+            </a:r>
+            <a:endParaRPr lang="ko-KR" altLang="en-US" spc="-150">
+              <a:solidFill>
+                <a:schemeClr val="tx1"/>
+              </a:solidFill>
+            </a:endParaRPr>
+          </a:p>
+        </p:txBody>
+      </p:sp>
+      <p:sp>
+        <p:nvSpPr>
+          <p:cNvPr id="17" name="TextBox 16">
+            <a:extLst>
+              <a:ext uri="{FF2B5EF4-FFF2-40B4-BE49-F238E27FC236}">
+                <a16:creationId xmlns:a16="http://schemas.microsoft.com/office/drawing/2014/main" id="{FD6C523F-1EF7-BAB9-A5C9-8B9355E75869}"/>
+              </a:ext>
+            </a:extLst>
+          </p:cNvPr>
+          <p:cNvSpPr txBox="1"/>
+          <p:nvPr/>
+        </p:nvSpPr>
+        <p:spPr>
+          <a:xfrm>
+            <a:off x="6946227" y="3051019"/>
+            <a:ext cx="1962487" cy="646331"/>
+          </a:xfrm>
+          <a:prstGeom prst="rect">
+            <a:avLst/>
+          </a:prstGeom>
+          <a:solidFill>
+            <a:schemeClr val="accent4">
+              <a:lumMod val="60000"/>
+              <a:lumOff val="40000"/>
+              <a:alpha val="25000"/>
+            </a:schemeClr>
+          </a:solidFill>
+          <a:ln w="12700">
+            <a:noFill/>
+          </a:ln>
+        </p:spPr>
+        <p:txBody>
+          <a:bodyPr wrap="square">
+            <a:spAutoFit/>
+          </a:bodyPr>
+          <a:lstStyle/>
+          <a:p>
+            <a:r>
+              <a:rPr lang="en-US" altLang="ko-KR"/>
+              <a:t>- Tokenizer</a:t>
+            </a:r>
+          </a:p>
+          <a:p>
+            <a:r>
+              <a:rPr lang="en-US" altLang="ko-KR"/>
+              <a:t>- Keras</a:t>
+            </a:r>
+            <a:endParaRPr lang="ko-KR" altLang="en-US"/>
+          </a:p>
+        </p:txBody>
+      </p:sp>
+      <p:sp>
+        <p:nvSpPr>
+          <p:cNvPr id="18" name="사각형: 둥근 모서리 17">
+            <a:extLst>
+              <a:ext uri="{FF2B5EF4-FFF2-40B4-BE49-F238E27FC236}">
+                <a16:creationId xmlns:a16="http://schemas.microsoft.com/office/drawing/2014/main" id="{30AF0307-97E5-29DA-DAB4-A3B6BAFA5FFC}"/>
+              </a:ext>
+            </a:extLst>
+          </p:cNvPr>
+          <p:cNvSpPr/>
+          <p:nvPr/>
+        </p:nvSpPr>
+        <p:spPr>
+          <a:xfrm>
+            <a:off x="6946228" y="4557596"/>
+            <a:ext cx="1962488" cy="532632"/>
+          </a:xfrm>
+          <a:prstGeom prst="roundRect">
+            <a:avLst/>
+          </a:prstGeom>
+          <a:solidFill>
+            <a:schemeClr val="accent4">
+              <a:lumMod val="60000"/>
+              <a:lumOff val="40000"/>
+              <a:alpha val="25000"/>
+            </a:schemeClr>
+          </a:solidFill>
+          <a:ln w="38100">
+            <a:solidFill>
+              <a:schemeClr val="accent2">
+                <a:lumMod val="75000"/>
+                <a:alpha val="67000"/>
+              </a:schemeClr>
+            </a:solidFill>
+          </a:ln>
+        </p:spPr>
+        <p:style>
+          <a:lnRef idx="2">
+            <a:schemeClr val="accent1">
+              <a:shade val="15000"/>
+            </a:schemeClr>
+          </a:lnRef>
+          <a:fillRef idx="1">
+            <a:schemeClr val="accent1"/>
+          </a:fillRef>
+          <a:effectRef idx="0">
+            <a:schemeClr val="accent1"/>
+          </a:effectRef>
+          <a:fontRef idx="minor">
+            <a:schemeClr val="lt1"/>
+          </a:fontRef>
+        </p:style>
+        <p:txBody>
+          <a:bodyPr rtlCol="0" anchor="ctr"/>
+          <a:lstStyle/>
+          <a:p>
+            <a:pPr algn="ctr"/>
+            <a:r>
+              <a:rPr lang="en-US" altLang="ko-KR" sz="2000" spc="-150">
+                <a:solidFill>
+                  <a:schemeClr val="tx1"/>
+                </a:solidFill>
+              </a:rPr>
+              <a:t>Prediction</a:t>
+            </a:r>
+            <a:endParaRPr lang="ko-KR" altLang="en-US" sz="2000" spc="-150">
+              <a:solidFill>
+                <a:schemeClr val="tx1"/>
+              </a:solidFill>
+            </a:endParaRPr>
+          </a:p>
+        </p:txBody>
+      </p:sp>
+      <p:sp>
+        <p:nvSpPr>
+          <p:cNvPr id="19" name="TextBox 18">
+            <a:extLst>
+              <a:ext uri="{FF2B5EF4-FFF2-40B4-BE49-F238E27FC236}">
+                <a16:creationId xmlns:a16="http://schemas.microsoft.com/office/drawing/2014/main" id="{52C19440-81E7-FDA1-0ACB-D6F07B45FEEA}"/>
+              </a:ext>
+            </a:extLst>
+          </p:cNvPr>
+          <p:cNvSpPr txBox="1"/>
+          <p:nvPr/>
+        </p:nvSpPr>
+        <p:spPr>
+          <a:xfrm>
+            <a:off x="6946227" y="5106760"/>
+            <a:ext cx="1962488" cy="646331"/>
+          </a:xfrm>
+          <a:prstGeom prst="rect">
+            <a:avLst/>
+          </a:prstGeom>
+          <a:solidFill>
+            <a:schemeClr val="accent4">
+              <a:lumMod val="60000"/>
+              <a:lumOff val="40000"/>
+              <a:alpha val="25000"/>
+            </a:schemeClr>
+          </a:solidFill>
+          <a:ln w="12700">
+            <a:noFill/>
+          </a:ln>
+        </p:spPr>
+        <p:txBody>
+          <a:bodyPr wrap="square">
+            <a:spAutoFit/>
+          </a:bodyPr>
+          <a:lstStyle/>
+          <a:p>
+            <a:r>
+              <a:rPr lang="en-US" altLang="ko-KR"/>
+              <a:t>- Index</a:t>
+            </a:r>
+          </a:p>
+          <a:p>
+            <a:r>
+              <a:rPr lang="en-US" altLang="ko-KR"/>
+              <a:t>- Probability</a:t>
+            </a:r>
+            <a:endParaRPr lang="ko-KR" altLang="en-US"/>
+          </a:p>
+        </p:txBody>
+      </p:sp>
+      <p:sp>
+        <p:nvSpPr>
+          <p:cNvPr id="24" name="TextBox 23">
+            <a:extLst>
+              <a:ext uri="{FF2B5EF4-FFF2-40B4-BE49-F238E27FC236}">
+                <a16:creationId xmlns:a16="http://schemas.microsoft.com/office/drawing/2014/main" id="{13198559-766C-BA18-33FE-8CCA5581743E}"/>
+              </a:ext>
+            </a:extLst>
+          </p:cNvPr>
+          <p:cNvSpPr txBox="1"/>
+          <p:nvPr/>
+        </p:nvSpPr>
+        <p:spPr>
+          <a:xfrm>
+            <a:off x="1158434" y="2979267"/>
+            <a:ext cx="2023165" cy="400110"/>
+          </a:xfrm>
+          <a:prstGeom prst="rect">
+            <a:avLst/>
+          </a:prstGeom>
+          <a:noFill/>
+          <a:ln w="12700">
+            <a:solidFill>
+              <a:schemeClr val="tx1"/>
+            </a:solidFill>
+          </a:ln>
+        </p:spPr>
+        <p:txBody>
+          <a:bodyPr wrap="square">
+            <a:spAutoFit/>
+          </a:bodyPr>
+          <a:lstStyle/>
+          <a:p>
+            <a:pPr algn="ctr"/>
+            <a:r>
+              <a:rPr lang="en-US" altLang="ko-KR" sz="2000"/>
+              <a:t>Upload Image</a:t>
+            </a:r>
+            <a:endParaRPr lang="ko-KR" altLang="en-US" sz="2000"/>
+          </a:p>
+        </p:txBody>
+      </p:sp>
+      <p:cxnSp>
+        <p:nvCxnSpPr>
+          <p:cNvPr id="36" name="연결선: 꺾임 35">
+            <a:extLst>
+              <a:ext uri="{FF2B5EF4-FFF2-40B4-BE49-F238E27FC236}">
+                <a16:creationId xmlns:a16="http://schemas.microsoft.com/office/drawing/2014/main" id="{030F1A43-47B3-9E00-4A22-59B1DEF3680D}"/>
+              </a:ext>
+            </a:extLst>
+          </p:cNvPr>
+          <p:cNvCxnSpPr>
+            <a:cxnSpLocks/>
+            <a:stCxn id="24" idx="0"/>
+            <a:endCxn id="6" idx="1"/>
+          </p:cNvCxnSpPr>
+          <p:nvPr/>
+        </p:nvCxnSpPr>
+        <p:spPr>
+          <a:xfrm rot="5400000" flipH="1" flipV="1">
+            <a:off x="2440993" y="1368917"/>
+            <a:ext cx="1339375" cy="1881326"/>
+          </a:xfrm>
+          <a:prstGeom prst="bentConnector2">
+            <a:avLst/>
+          </a:prstGeom>
+          <a:ln w="38100">
+            <a:solidFill>
+              <a:schemeClr val="accent5">
+                <a:lumMod val="50000"/>
+                <a:alpha val="67000"/>
+              </a:schemeClr>
+            </a:solidFill>
+            <a:tailEnd type="triangle"/>
+          </a:ln>
+        </p:spPr>
+        <p:style>
+          <a:lnRef idx="1">
+            <a:schemeClr val="accent1"/>
+          </a:lnRef>
+          <a:fillRef idx="0">
+            <a:schemeClr val="accent1"/>
+          </a:fillRef>
+          <a:effectRef idx="0">
+            <a:schemeClr val="accent1"/>
+          </a:effectRef>
+          <a:fontRef idx="minor">
+            <a:schemeClr val="tx1"/>
+          </a:fontRef>
+        </p:style>
+      </p:cxnSp>
+      <p:sp>
+        <p:nvSpPr>
+          <p:cNvPr id="44" name="사각형: 둥근 모서리 43">
+            <a:extLst>
+              <a:ext uri="{FF2B5EF4-FFF2-40B4-BE49-F238E27FC236}">
+                <a16:creationId xmlns:a16="http://schemas.microsoft.com/office/drawing/2014/main" id="{39196962-4882-6B4F-9D3F-60C4E5744124}"/>
+              </a:ext>
+            </a:extLst>
+          </p:cNvPr>
+          <p:cNvSpPr/>
+          <p:nvPr/>
+        </p:nvSpPr>
+        <p:spPr>
+          <a:xfrm>
+            <a:off x="1002763" y="4807669"/>
+            <a:ext cx="2303855" cy="1189555"/>
+          </a:xfrm>
+          <a:prstGeom prst="roundRect">
+            <a:avLst/>
+          </a:prstGeom>
+          <a:solidFill>
+            <a:srgbClr val="7030A0">
+              <a:alpha val="25000"/>
+            </a:srgbClr>
+          </a:solidFill>
+          <a:ln w="38100">
+            <a:solidFill>
+              <a:srgbClr val="7030A0">
+                <a:alpha val="67000"/>
+              </a:srgbClr>
+            </a:solidFill>
+          </a:ln>
+        </p:spPr>
+        <p:style>
+          <a:lnRef idx="2">
+            <a:schemeClr val="accent1">
+              <a:shade val="15000"/>
+            </a:schemeClr>
+          </a:lnRef>
+          <a:fillRef idx="1">
+            <a:schemeClr val="accent1"/>
+          </a:fillRef>
+          <a:effectRef idx="0">
+            <a:schemeClr val="accent1"/>
+          </a:effectRef>
+          <a:fontRef idx="minor">
+            <a:schemeClr val="lt1"/>
+          </a:fontRef>
+        </p:style>
+        <p:txBody>
+          <a:bodyPr rtlCol="0" anchor="t"/>
+          <a:lstStyle/>
+          <a:p>
+            <a:r>
+              <a:rPr lang="en-US" altLang="ko-KR">
+                <a:solidFill>
+                  <a:schemeClr val="tx1"/>
+                </a:solidFill>
+              </a:rPr>
+              <a:t>UI</a:t>
+            </a:r>
+            <a:endParaRPr lang="ko-KR" altLang="en-US">
+              <a:solidFill>
+                <a:schemeClr val="tx1"/>
+              </a:solidFill>
+            </a:endParaRPr>
+          </a:p>
+        </p:txBody>
+      </p:sp>
+      <p:sp>
+        <p:nvSpPr>
+          <p:cNvPr id="49" name="사각형: 둥근 모서리 48">
+            <a:extLst>
+              <a:ext uri="{FF2B5EF4-FFF2-40B4-BE49-F238E27FC236}">
+                <a16:creationId xmlns:a16="http://schemas.microsoft.com/office/drawing/2014/main" id="{4B76B32E-E65B-3AF5-768A-7C8F85AC0385}"/>
+              </a:ext>
+            </a:extLst>
+          </p:cNvPr>
+          <p:cNvSpPr/>
+          <p:nvPr/>
+        </p:nvSpPr>
+        <p:spPr>
+          <a:xfrm>
+            <a:off x="3689435" y="4363304"/>
+            <a:ext cx="2643197" cy="1893595"/>
+          </a:xfrm>
+          <a:prstGeom prst="roundRect">
+            <a:avLst/>
+          </a:prstGeom>
+          <a:solidFill>
+            <a:srgbClr val="FF0000">
+              <a:alpha val="25000"/>
+            </a:srgbClr>
+          </a:solidFill>
+          <a:ln w="38100">
+            <a:solidFill>
+              <a:srgbClr val="FF0000">
+                <a:alpha val="67000"/>
+              </a:srgbClr>
+            </a:solidFill>
+          </a:ln>
+        </p:spPr>
+        <p:style>
+          <a:lnRef idx="2">
+            <a:schemeClr val="accent1">
+              <a:shade val="15000"/>
+            </a:schemeClr>
+          </a:lnRef>
+          <a:fillRef idx="1">
+            <a:schemeClr val="accent1"/>
+          </a:fillRef>
+          <a:effectRef idx="0">
+            <a:schemeClr val="accent1"/>
+          </a:effectRef>
+          <a:fontRef idx="minor">
+            <a:schemeClr val="lt1"/>
+          </a:fontRef>
+        </p:style>
+        <p:txBody>
+          <a:bodyPr rtlCol="0" anchor="t"/>
+          <a:lstStyle/>
+          <a:p>
+            <a:r>
+              <a:rPr lang="en-US" altLang="ko-KR" b="1">
+                <a:solidFill>
+                  <a:schemeClr val="tx1">
+                    <a:lumMod val="65000"/>
+                    <a:lumOff val="35000"/>
+                  </a:schemeClr>
+                </a:solidFill>
+              </a:rPr>
+              <a:t>[BackEnd] – Firebase </a:t>
+            </a:r>
+            <a:endParaRPr lang="ko-KR" altLang="en-US" b="1">
+              <a:solidFill>
+                <a:schemeClr val="tx1">
+                  <a:lumMod val="65000"/>
+                  <a:lumOff val="35000"/>
+                </a:schemeClr>
+              </a:solidFill>
+            </a:endParaRPr>
+          </a:p>
+        </p:txBody>
+      </p:sp>
+      <p:sp>
+        <p:nvSpPr>
+          <p:cNvPr id="50" name="직사각형 49">
+            <a:extLst>
+              <a:ext uri="{FF2B5EF4-FFF2-40B4-BE49-F238E27FC236}">
+                <a16:creationId xmlns:a16="http://schemas.microsoft.com/office/drawing/2014/main" id="{34B6B078-2ADA-2598-DF52-B9B61E2AFD87}"/>
+              </a:ext>
+            </a:extLst>
+          </p:cNvPr>
+          <p:cNvSpPr/>
+          <p:nvPr/>
+        </p:nvSpPr>
+        <p:spPr>
+          <a:xfrm>
+            <a:off x="4051343" y="4926154"/>
+            <a:ext cx="1933826" cy="485786"/>
+          </a:xfrm>
+          <a:prstGeom prst="rect">
+            <a:avLst/>
+          </a:prstGeom>
+          <a:noFill/>
+          <a:ln w="25400">
+            <a:solidFill>
+              <a:schemeClr val="tx1">
+                <a:alpha val="75000"/>
+              </a:schemeClr>
+            </a:solidFill>
+          </a:ln>
+        </p:spPr>
+        <p:style>
+          <a:lnRef idx="2">
+            <a:schemeClr val="accent1">
+              <a:shade val="15000"/>
+            </a:schemeClr>
+          </a:lnRef>
+          <a:fillRef idx="1">
+            <a:schemeClr val="accent1"/>
+          </a:fillRef>
+          <a:effectRef idx="0">
+            <a:schemeClr val="accent1"/>
+          </a:effectRef>
+          <a:fontRef idx="minor">
+            <a:schemeClr val="lt1"/>
+          </a:fontRef>
+        </p:style>
+        <p:txBody>
+          <a:bodyPr rtlCol="0" anchor="ctr"/>
+          <a:lstStyle/>
+          <a:p>
+            <a:pPr algn="ctr"/>
+            <a:r>
+              <a:rPr lang="en-US" altLang="ko-KR" spc="-150">
+                <a:solidFill>
+                  <a:schemeClr val="tx1"/>
+                </a:solidFill>
+              </a:rPr>
+              <a:t>Firebase </a:t>
+            </a:r>
+            <a:r>
+              <a:rPr lang="en-US" altLang="ko-KR" sz="2000" spc="-150">
+                <a:solidFill>
+                  <a:schemeClr val="tx1"/>
+                </a:solidFill>
+              </a:rPr>
+              <a:t>Functions</a:t>
+            </a:r>
+            <a:r>
+              <a:rPr lang="en-US" altLang="ko-KR" spc="-150">
+                <a:solidFill>
+                  <a:schemeClr val="tx1"/>
+                </a:solidFill>
+              </a:rPr>
+              <a:t> </a:t>
+            </a:r>
+          </a:p>
+        </p:txBody>
+      </p:sp>
+      <p:sp>
+        <p:nvSpPr>
+          <p:cNvPr id="51" name="화살표: 아래쪽 50">
+            <a:extLst>
+              <a:ext uri="{FF2B5EF4-FFF2-40B4-BE49-F238E27FC236}">
+                <a16:creationId xmlns:a16="http://schemas.microsoft.com/office/drawing/2014/main" id="{18E01A6C-3FCC-B25E-C8B8-8A098999D98D}"/>
+              </a:ext>
+            </a:extLst>
+          </p:cNvPr>
+          <p:cNvSpPr/>
+          <p:nvPr/>
+        </p:nvSpPr>
+        <p:spPr>
+          <a:xfrm>
+            <a:off x="7313318" y="1938249"/>
+            <a:ext cx="1234912" cy="308114"/>
+          </a:xfrm>
+          <a:prstGeom prst="downArrow">
+            <a:avLst/>
+          </a:prstGeom>
+          <a:solidFill>
+            <a:schemeClr val="tx1">
+              <a:alpha val="50000"/>
+            </a:schemeClr>
+          </a:solidFill>
+          <a:ln>
+            <a:solidFill>
+              <a:schemeClr val="accent1">
+                <a:shade val="15000"/>
+                <a:alpha val="50000"/>
+              </a:schemeClr>
+            </a:solidFill>
+          </a:ln>
+        </p:spPr>
+        <p:style>
+          <a:lnRef idx="2">
+            <a:schemeClr val="accent1">
+              <a:shade val="15000"/>
+            </a:schemeClr>
+          </a:lnRef>
+          <a:fillRef idx="1">
+            <a:schemeClr val="accent1"/>
+          </a:fillRef>
+          <a:effectRef idx="0">
+            <a:schemeClr val="accent1"/>
+          </a:effectRef>
+          <a:fontRef idx="minor">
+            <a:schemeClr val="lt1"/>
+          </a:fontRef>
+        </p:style>
+        <p:txBody>
+          <a:bodyPr rtlCol="0" anchor="ctr"/>
+          <a:lstStyle/>
+          <a:p>
+            <a:pPr algn="ctr"/>
+            <a:endParaRPr lang="ko-KR" altLang="en-US"/>
+          </a:p>
+        </p:txBody>
+      </p:sp>
+      <p:sp>
+        <p:nvSpPr>
+          <p:cNvPr id="52" name="화살표: 아래쪽 51">
+            <a:extLst>
+              <a:ext uri="{FF2B5EF4-FFF2-40B4-BE49-F238E27FC236}">
+                <a16:creationId xmlns:a16="http://schemas.microsoft.com/office/drawing/2014/main" id="{BCCD4F3D-704F-0645-86D8-79C2C41DE98B}"/>
+              </a:ext>
+            </a:extLst>
+          </p:cNvPr>
+          <p:cNvSpPr/>
+          <p:nvPr/>
+        </p:nvSpPr>
+        <p:spPr>
+          <a:xfrm>
+            <a:off x="7313318" y="3972219"/>
+            <a:ext cx="1234912" cy="308114"/>
+          </a:xfrm>
+          <a:prstGeom prst="downArrow">
+            <a:avLst/>
+          </a:prstGeom>
+          <a:solidFill>
+            <a:schemeClr val="tx1">
+              <a:alpha val="50000"/>
+            </a:schemeClr>
+          </a:solidFill>
+          <a:ln>
+            <a:solidFill>
+              <a:schemeClr val="accent1">
+                <a:shade val="15000"/>
+                <a:alpha val="50000"/>
+              </a:schemeClr>
+            </a:solidFill>
+          </a:ln>
+        </p:spPr>
+        <p:style>
+          <a:lnRef idx="2">
+            <a:schemeClr val="accent1">
+              <a:shade val="15000"/>
+            </a:schemeClr>
+          </a:lnRef>
+          <a:fillRef idx="1">
+            <a:schemeClr val="accent1"/>
+          </a:fillRef>
+          <a:effectRef idx="0">
+            <a:schemeClr val="accent1"/>
+          </a:effectRef>
+          <a:fontRef idx="minor">
+            <a:schemeClr val="lt1"/>
+          </a:fontRef>
+        </p:style>
+        <p:txBody>
+          <a:bodyPr rtlCol="0" anchor="ctr"/>
+          <a:lstStyle/>
+          <a:p>
+            <a:pPr algn="ctr"/>
+            <a:endParaRPr lang="ko-KR" altLang="en-US"/>
+          </a:p>
+        </p:txBody>
+      </p:sp>
+      <p:cxnSp>
+        <p:nvCxnSpPr>
+          <p:cNvPr id="55" name="연결선: 꺾임 54">
+            <a:extLst>
+              <a:ext uri="{FF2B5EF4-FFF2-40B4-BE49-F238E27FC236}">
+                <a16:creationId xmlns:a16="http://schemas.microsoft.com/office/drawing/2014/main" id="{42647E2A-E4C3-FDF8-6BBF-7B3493F30F28}"/>
+              </a:ext>
+            </a:extLst>
+          </p:cNvPr>
+          <p:cNvCxnSpPr>
+            <a:cxnSpLocks/>
+            <a:stCxn id="6" idx="3"/>
+            <a:endCxn id="50" idx="3"/>
+          </p:cNvCxnSpPr>
+          <p:nvPr/>
+        </p:nvCxnSpPr>
+        <p:spPr>
+          <a:xfrm>
+            <a:off x="5985169" y="1639892"/>
+            <a:ext cx="12700" cy="3529155"/>
+          </a:xfrm>
+          <a:prstGeom prst="bentConnector3">
+            <a:avLst>
+              <a:gd name="adj1" fmla="val 1581819"/>
+            </a:avLst>
+          </a:prstGeom>
+          <a:ln w="38100">
+            <a:solidFill>
+              <a:schemeClr val="tx1">
+                <a:alpha val="67000"/>
+              </a:schemeClr>
+            </a:solidFill>
+            <a:tailEnd type="triangle"/>
+          </a:ln>
+        </p:spPr>
+        <p:style>
+          <a:lnRef idx="1">
+            <a:schemeClr val="accent1"/>
+          </a:lnRef>
+          <a:fillRef idx="0">
+            <a:schemeClr val="accent1"/>
+          </a:fillRef>
+          <a:effectRef idx="0">
+            <a:schemeClr val="accent1"/>
+          </a:effectRef>
+          <a:fontRef idx="minor">
+            <a:schemeClr val="tx1"/>
+          </a:fontRef>
+        </p:style>
+      </p:cxnSp>
+      <p:cxnSp>
+        <p:nvCxnSpPr>
+          <p:cNvPr id="58" name="연결선: 꺾임 57">
+            <a:extLst>
+              <a:ext uri="{FF2B5EF4-FFF2-40B4-BE49-F238E27FC236}">
+                <a16:creationId xmlns:a16="http://schemas.microsoft.com/office/drawing/2014/main" id="{323F7C57-CFE3-1C5D-364B-0EA5002A100D}"/>
+              </a:ext>
+            </a:extLst>
+          </p:cNvPr>
+          <p:cNvCxnSpPr>
+            <a:cxnSpLocks/>
+            <a:stCxn id="50" idx="1"/>
+            <a:endCxn id="9" idx="1"/>
+          </p:cNvCxnSpPr>
+          <p:nvPr/>
+        </p:nvCxnSpPr>
+        <p:spPr>
+          <a:xfrm rot="10800000">
+            <a:off x="4038515" y="3103977"/>
+            <a:ext cx="12828" cy="2065071"/>
+          </a:xfrm>
+          <a:prstGeom prst="bentConnector3">
+            <a:avLst>
+              <a:gd name="adj1" fmla="val 1666035"/>
+            </a:avLst>
+          </a:prstGeom>
+          <a:ln w="38100">
+            <a:solidFill>
+              <a:srgbClr val="FF0000">
+                <a:alpha val="67000"/>
+              </a:srgbClr>
+            </a:solidFill>
+            <a:tailEnd type="triangle"/>
+          </a:ln>
+        </p:spPr>
+        <p:style>
+          <a:lnRef idx="1">
+            <a:schemeClr val="accent1"/>
+          </a:lnRef>
+          <a:fillRef idx="0">
+            <a:schemeClr val="accent1"/>
+          </a:fillRef>
+          <a:effectRef idx="0">
+            <a:schemeClr val="accent1"/>
+          </a:effectRef>
+          <a:fontRef idx="minor">
+            <a:schemeClr val="tx1"/>
+          </a:fontRef>
+        </p:style>
+      </p:cxnSp>
+      <p:sp>
+        <p:nvSpPr>
+          <p:cNvPr id="78" name="TextBox 77">
+            <a:extLst>
+              <a:ext uri="{FF2B5EF4-FFF2-40B4-BE49-F238E27FC236}">
+                <a16:creationId xmlns:a16="http://schemas.microsoft.com/office/drawing/2014/main" id="{2E8A1B28-826A-03FC-B649-83DCEC2B9EF0}"/>
+              </a:ext>
+            </a:extLst>
+          </p:cNvPr>
+          <p:cNvSpPr txBox="1"/>
+          <p:nvPr/>
+        </p:nvSpPr>
+        <p:spPr>
+          <a:xfrm>
+            <a:off x="1156478" y="3602887"/>
+            <a:ext cx="2023165" cy="400110"/>
+          </a:xfrm>
+          <a:prstGeom prst="rect">
+            <a:avLst/>
+          </a:prstGeom>
+          <a:noFill/>
+          <a:ln w="12700">
+            <a:solidFill>
+              <a:schemeClr val="tx1"/>
+            </a:solidFill>
+          </a:ln>
+        </p:spPr>
+        <p:txBody>
+          <a:bodyPr wrap="square">
+            <a:spAutoFit/>
+          </a:bodyPr>
+          <a:lstStyle/>
+          <a:p>
+            <a:pPr algn="ctr"/>
+            <a:r>
+              <a:rPr lang="en-US" altLang="ko-KR" sz="2000"/>
+              <a:t>Prediction</a:t>
+            </a:r>
+            <a:endParaRPr lang="ko-KR" altLang="en-US" sz="2000"/>
+          </a:p>
+        </p:txBody>
+      </p:sp>
+      <p:sp>
+        <p:nvSpPr>
+          <p:cNvPr id="6" name="직사각형 5">
+            <a:extLst>
+              <a:ext uri="{FF2B5EF4-FFF2-40B4-BE49-F238E27FC236}">
+                <a16:creationId xmlns:a16="http://schemas.microsoft.com/office/drawing/2014/main" id="{41D616EF-AF07-78E2-8CD2-F313DDB19F93}"/>
+              </a:ext>
+            </a:extLst>
+          </p:cNvPr>
+          <p:cNvSpPr/>
+          <p:nvPr/>
+        </p:nvSpPr>
+        <p:spPr>
+          <a:xfrm>
+            <a:off x="4051343" y="1438258"/>
+            <a:ext cx="1933826" cy="403268"/>
+          </a:xfrm>
+          <a:prstGeom prst="rect">
+            <a:avLst/>
+          </a:prstGeom>
+          <a:noFill/>
+          <a:ln w="25400">
+            <a:solidFill>
+              <a:schemeClr val="tx1">
+                <a:alpha val="75000"/>
+              </a:schemeClr>
+            </a:solidFill>
+          </a:ln>
+        </p:spPr>
+        <p:style>
+          <a:lnRef idx="2">
+            <a:schemeClr val="accent1">
+              <a:shade val="15000"/>
+            </a:schemeClr>
+          </a:lnRef>
+          <a:fillRef idx="1">
+            <a:schemeClr val="accent1"/>
+          </a:fillRef>
+          <a:effectRef idx="0">
+            <a:schemeClr val="accent1"/>
+          </a:effectRef>
+          <a:fontRef idx="minor">
+            <a:schemeClr val="lt1"/>
+          </a:fontRef>
+        </p:style>
+        <p:txBody>
+          <a:bodyPr rtlCol="0" anchor="ctr"/>
+          <a:lstStyle/>
+          <a:p>
+            <a:pPr algn="ctr"/>
+            <a:r>
+              <a:rPr lang="en-US" altLang="ko-KR" sz="2000" spc="-150">
+                <a:solidFill>
+                  <a:schemeClr val="tx1"/>
+                </a:solidFill>
+              </a:rPr>
+              <a:t>Storage API</a:t>
+            </a:r>
+            <a:endParaRPr lang="ko-KR" altLang="en-US" sz="2000" spc="-150">
+              <a:solidFill>
+                <a:schemeClr val="tx1"/>
+              </a:solidFill>
+            </a:endParaRPr>
+          </a:p>
+        </p:txBody>
+      </p:sp>
+      <p:sp>
+        <p:nvSpPr>
+          <p:cNvPr id="9" name="직사각형 8">
+            <a:extLst>
+              <a:ext uri="{FF2B5EF4-FFF2-40B4-BE49-F238E27FC236}">
+                <a16:creationId xmlns:a16="http://schemas.microsoft.com/office/drawing/2014/main" id="{52EA6224-BC47-FC6B-295E-938B6F8595A6}"/>
+              </a:ext>
+            </a:extLst>
+          </p:cNvPr>
+          <p:cNvSpPr/>
+          <p:nvPr/>
+        </p:nvSpPr>
+        <p:spPr>
+          <a:xfrm>
+            <a:off x="4038515" y="2642815"/>
+            <a:ext cx="1933826" cy="922321"/>
+          </a:xfrm>
+          <a:prstGeom prst="rect">
+            <a:avLst/>
+          </a:prstGeom>
+          <a:noFill/>
+          <a:ln w="25400">
+            <a:solidFill>
+              <a:schemeClr val="accent6">
+                <a:lumMod val="50000"/>
+                <a:alpha val="75000"/>
+              </a:schemeClr>
+            </a:solidFill>
+          </a:ln>
+        </p:spPr>
+        <p:style>
+          <a:lnRef idx="2">
+            <a:schemeClr val="accent1">
+              <a:shade val="15000"/>
+            </a:schemeClr>
+          </a:lnRef>
+          <a:fillRef idx="1">
+            <a:schemeClr val="accent1"/>
+          </a:fillRef>
+          <a:effectRef idx="0">
+            <a:schemeClr val="accent1"/>
+          </a:effectRef>
+          <a:fontRef idx="minor">
+            <a:schemeClr val="lt1"/>
+          </a:fontRef>
+        </p:style>
+        <p:txBody>
+          <a:bodyPr rtlCol="0" anchor="ctr"/>
+          <a:lstStyle/>
+          <a:p>
+            <a:pPr algn="ctr"/>
+            <a:r>
+              <a:rPr lang="en-US" altLang="ko-KR" sz="2000" spc="-150">
+                <a:solidFill>
+                  <a:schemeClr val="tx1"/>
+                </a:solidFill>
+              </a:rPr>
+              <a:t>Google OCR</a:t>
+            </a:r>
+          </a:p>
+          <a:p>
+            <a:pPr algn="ctr"/>
+            <a:r>
+              <a:rPr lang="en-US" altLang="ko-KR" sz="2000" spc="-150">
+                <a:solidFill>
+                  <a:schemeClr val="tx1"/>
+                </a:solidFill>
+              </a:rPr>
+              <a:t>(Vertex Vision AI)</a:t>
+            </a:r>
+            <a:endParaRPr lang="ko-KR" altLang="en-US" sz="2000" spc="-150">
+              <a:solidFill>
+                <a:schemeClr val="tx1"/>
+              </a:solidFill>
+            </a:endParaRPr>
+          </a:p>
+        </p:txBody>
+      </p:sp>
+      <p:sp>
+        <p:nvSpPr>
+          <p:cNvPr id="14" name="직사각형 13">
+            <a:extLst>
+              <a:ext uri="{FF2B5EF4-FFF2-40B4-BE49-F238E27FC236}">
+                <a16:creationId xmlns:a16="http://schemas.microsoft.com/office/drawing/2014/main" id="{F226937F-6830-ED9D-7A7A-294A3C0F839B}"/>
+              </a:ext>
+            </a:extLst>
+          </p:cNvPr>
+          <p:cNvSpPr/>
+          <p:nvPr/>
+        </p:nvSpPr>
+        <p:spPr>
+          <a:xfrm>
+            <a:off x="4051343" y="2036439"/>
+            <a:ext cx="1933826" cy="403268"/>
+          </a:xfrm>
+          <a:prstGeom prst="rect">
+            <a:avLst/>
+          </a:prstGeom>
+          <a:noFill/>
+          <a:ln w="25400">
+            <a:solidFill>
+              <a:schemeClr val="accent4">
+                <a:lumMod val="50000"/>
+                <a:alpha val="75000"/>
+              </a:schemeClr>
+            </a:solidFill>
+          </a:ln>
+        </p:spPr>
+        <p:style>
+          <a:lnRef idx="2">
+            <a:schemeClr val="accent1">
+              <a:shade val="15000"/>
+            </a:schemeClr>
+          </a:lnRef>
+          <a:fillRef idx="1">
+            <a:schemeClr val="accent1"/>
+          </a:fillRef>
+          <a:effectRef idx="0">
+            <a:schemeClr val="accent1"/>
+          </a:effectRef>
+          <a:fontRef idx="minor">
+            <a:schemeClr val="lt1"/>
+          </a:fontRef>
+        </p:style>
+        <p:txBody>
+          <a:bodyPr rtlCol="0" anchor="ctr"/>
+          <a:lstStyle/>
+          <a:p>
+            <a:pPr algn="ctr"/>
+            <a:r>
+              <a:rPr lang="en-US" altLang="ko-KR" sz="2000" spc="-150">
+                <a:solidFill>
+                  <a:schemeClr val="tx1"/>
+                </a:solidFill>
+              </a:rPr>
+              <a:t>AI Model API</a:t>
+            </a:r>
+            <a:endParaRPr lang="ko-KR" altLang="en-US" sz="2000" spc="-150">
+              <a:solidFill>
+                <a:schemeClr val="tx1"/>
+              </a:solidFill>
+            </a:endParaRPr>
+          </a:p>
+        </p:txBody>
+      </p:sp>
+      <p:cxnSp>
+        <p:nvCxnSpPr>
+          <p:cNvPr id="42" name="연결선: 꺾임 41">
+            <a:extLst>
+              <a:ext uri="{FF2B5EF4-FFF2-40B4-BE49-F238E27FC236}">
+                <a16:creationId xmlns:a16="http://schemas.microsoft.com/office/drawing/2014/main" id="{C4BBE66E-A2D6-151A-D269-6018993FAD07}"/>
+              </a:ext>
+            </a:extLst>
+          </p:cNvPr>
+          <p:cNvCxnSpPr>
+            <a:cxnSpLocks/>
+            <a:stCxn id="78" idx="3"/>
+            <a:endCxn id="14" idx="1"/>
+          </p:cNvCxnSpPr>
+          <p:nvPr/>
+        </p:nvCxnSpPr>
+        <p:spPr>
+          <a:xfrm flipV="1">
+            <a:off x="3179643" y="2238073"/>
+            <a:ext cx="871700" cy="1564869"/>
+          </a:xfrm>
+          <a:prstGeom prst="bentConnector3">
+            <a:avLst>
+              <a:gd name="adj1" fmla="val 46821"/>
+            </a:avLst>
+          </a:prstGeom>
+          <a:ln w="38100">
+            <a:solidFill>
+              <a:schemeClr val="accent5">
+                <a:lumMod val="50000"/>
+                <a:alpha val="67000"/>
+              </a:schemeClr>
+            </a:solidFill>
+            <a:tailEnd type="triangle"/>
+          </a:ln>
+        </p:spPr>
+        <p:style>
+          <a:lnRef idx="1">
+            <a:schemeClr val="accent1"/>
+          </a:lnRef>
+          <a:fillRef idx="0">
+            <a:schemeClr val="accent1"/>
+          </a:fillRef>
+          <a:effectRef idx="0">
+            <a:schemeClr val="accent1"/>
+          </a:effectRef>
+          <a:fontRef idx="minor">
+            <a:schemeClr val="tx1"/>
+          </a:fontRef>
+        </p:style>
+      </p:cxnSp>
+      <p:cxnSp>
+        <p:nvCxnSpPr>
+          <p:cNvPr id="43" name="연결선: 꺾임 42">
+            <a:extLst>
+              <a:ext uri="{FF2B5EF4-FFF2-40B4-BE49-F238E27FC236}">
+                <a16:creationId xmlns:a16="http://schemas.microsoft.com/office/drawing/2014/main" id="{D14C665F-67DD-796F-3281-E78DB407BB89}"/>
+              </a:ext>
+            </a:extLst>
+          </p:cNvPr>
+          <p:cNvCxnSpPr>
+            <a:cxnSpLocks/>
+            <a:stCxn id="14" idx="3"/>
+            <a:endCxn id="12" idx="1"/>
+          </p:cNvCxnSpPr>
+          <p:nvPr/>
+        </p:nvCxnSpPr>
+        <p:spPr>
+          <a:xfrm flipV="1">
+            <a:off x="5985169" y="1361797"/>
+            <a:ext cx="961059" cy="876276"/>
+          </a:xfrm>
+          <a:prstGeom prst="bentConnector3">
+            <a:avLst>
+              <a:gd name="adj1" fmla="val 50000"/>
+            </a:avLst>
+          </a:prstGeom>
+          <a:ln w="38100">
+            <a:solidFill>
+              <a:schemeClr val="accent4">
+                <a:lumMod val="50000"/>
+                <a:alpha val="67000"/>
+              </a:schemeClr>
+            </a:solidFill>
+            <a:tailEnd type="triangle"/>
+          </a:ln>
+        </p:spPr>
+        <p:style>
+          <a:lnRef idx="1">
+            <a:schemeClr val="accent1"/>
+          </a:lnRef>
+          <a:fillRef idx="0">
+            <a:schemeClr val="accent1"/>
+          </a:fillRef>
+          <a:effectRef idx="0">
+            <a:schemeClr val="accent1"/>
+          </a:effectRef>
+          <a:fontRef idx="minor">
+            <a:schemeClr val="tx1"/>
+          </a:fontRef>
+        </p:style>
+      </p:cxnSp>
+      <p:cxnSp>
+        <p:nvCxnSpPr>
+          <p:cNvPr id="45" name="연결선: 꺾임 44">
+            <a:extLst>
+              <a:ext uri="{FF2B5EF4-FFF2-40B4-BE49-F238E27FC236}">
+                <a16:creationId xmlns:a16="http://schemas.microsoft.com/office/drawing/2014/main" id="{6EFBCE06-D60C-0D81-A263-4C0D0BC7EAD1}"/>
+              </a:ext>
+            </a:extLst>
+          </p:cNvPr>
+          <p:cNvCxnSpPr>
+            <a:cxnSpLocks/>
+            <a:stCxn id="19" idx="2"/>
+            <a:endCxn id="44" idx="2"/>
+          </p:cNvCxnSpPr>
+          <p:nvPr/>
+        </p:nvCxnSpPr>
+        <p:spPr>
+          <a:xfrm rot="5400000">
+            <a:off x="4919015" y="2988767"/>
+            <a:ext cx="244133" cy="5772780"/>
+          </a:xfrm>
+          <a:prstGeom prst="bentConnector3">
+            <a:avLst>
+              <a:gd name="adj1" fmla="val 322271"/>
+            </a:avLst>
+          </a:prstGeom>
+          <a:ln w="38100">
+            <a:solidFill>
+              <a:schemeClr val="accent2">
+                <a:lumMod val="50000"/>
+                <a:alpha val="67000"/>
+              </a:schemeClr>
+            </a:solidFill>
+            <a:tailEnd type="triangle"/>
+          </a:ln>
+        </p:spPr>
+        <p:style>
+          <a:lnRef idx="1">
+            <a:schemeClr val="accent1"/>
+          </a:lnRef>
+          <a:fillRef idx="0">
+            <a:schemeClr val="accent1"/>
+          </a:fillRef>
+          <a:effectRef idx="0">
+            <a:schemeClr val="accent1"/>
+          </a:effectRef>
+          <a:fontRef idx="minor">
+            <a:schemeClr val="tx1"/>
+          </a:fontRef>
+        </p:style>
+      </p:cxnSp>
+      <p:sp>
+        <p:nvSpPr>
+          <p:cNvPr id="39" name="TextBox 38">
+            <a:extLst>
+              <a:ext uri="{FF2B5EF4-FFF2-40B4-BE49-F238E27FC236}">
+                <a16:creationId xmlns:a16="http://schemas.microsoft.com/office/drawing/2014/main" id="{B7CBE72F-DD0B-635E-B485-6CABD07F41ED}"/>
+              </a:ext>
+            </a:extLst>
+          </p:cNvPr>
+          <p:cNvSpPr txBox="1"/>
+          <p:nvPr/>
+        </p:nvSpPr>
+        <p:spPr>
+          <a:xfrm>
+            <a:off x="4051344" y="5411940"/>
+            <a:ext cx="1933698" cy="646331"/>
+          </a:xfrm>
+          <a:prstGeom prst="rect">
+            <a:avLst/>
+          </a:prstGeom>
+          <a:solidFill>
+            <a:srgbClr val="FF0000">
+              <a:alpha val="25000"/>
+            </a:srgbClr>
+          </a:solidFill>
+          <a:ln w="12700">
+            <a:noFill/>
+          </a:ln>
+        </p:spPr>
+        <p:txBody>
+          <a:bodyPr wrap="square">
+            <a:spAutoFit/>
+          </a:bodyPr>
+          <a:lstStyle/>
+          <a:p>
+            <a:r>
+              <a:rPr lang="en-US" altLang="ko-KR"/>
+              <a:t>- Authentication</a:t>
+            </a:r>
+          </a:p>
+          <a:p>
+            <a:r>
+              <a:rPr lang="en-US" altLang="ko-KR"/>
+              <a:t>- Storage</a:t>
+            </a:r>
+            <a:endParaRPr lang="ko-KR" altLang="en-US"/>
+          </a:p>
+        </p:txBody>
+      </p:sp>
+      <p:cxnSp>
+        <p:nvCxnSpPr>
+          <p:cNvPr id="85" name="연결선: 꺾임 84">
+            <a:extLst>
+              <a:ext uri="{FF2B5EF4-FFF2-40B4-BE49-F238E27FC236}">
+                <a16:creationId xmlns:a16="http://schemas.microsoft.com/office/drawing/2014/main" id="{95500586-36D1-8D07-A25D-21BDF30CAF96}"/>
+              </a:ext>
+            </a:extLst>
+          </p:cNvPr>
+          <p:cNvCxnSpPr>
+            <a:cxnSpLocks/>
+            <a:stCxn id="9" idx="3"/>
+            <a:endCxn id="44" idx="2"/>
+          </p:cNvCxnSpPr>
+          <p:nvPr/>
+        </p:nvCxnSpPr>
+        <p:spPr>
+          <a:xfrm flipH="1">
+            <a:off x="2154691" y="3103976"/>
+            <a:ext cx="3817650" cy="2893248"/>
+          </a:xfrm>
+          <a:prstGeom prst="bentConnector4">
+            <a:avLst>
+              <a:gd name="adj1" fmla="val -13246"/>
+              <a:gd name="adj2" fmla="val 113647"/>
+            </a:avLst>
+          </a:prstGeom>
+          <a:ln w="38100">
+            <a:solidFill>
+              <a:schemeClr val="accent6">
+                <a:lumMod val="50000"/>
+                <a:alpha val="67000"/>
+              </a:schemeClr>
+            </a:solidFill>
+            <a:tailEnd type="triangle"/>
+          </a:ln>
+        </p:spPr>
+        <p:style>
+          <a:lnRef idx="1">
+            <a:schemeClr val="accent1"/>
+          </a:lnRef>
+          <a:fillRef idx="0">
+            <a:schemeClr val="accent1"/>
+          </a:fillRef>
+          <a:effectRef idx="0">
+            <a:schemeClr val="accent1"/>
+          </a:effectRef>
+          <a:fontRef idx="minor">
+            <a:schemeClr val="tx1"/>
+          </a:fontRef>
+        </p:style>
+      </p:cxnSp>
+    </p:spTree>
+    <p:extLst>
+      <p:ext uri="{BB962C8B-B14F-4D97-AF65-F5344CB8AC3E}">
+        <p14:creationId xmlns:p14="http://schemas.microsoft.com/office/powerpoint/2010/main" val="4017481167"/>
       </p:ext>
     </p:extLst>
   </p:cSld>
